--- a/pisanko/images/env_11.pptx
+++ b/pisanko/images/env_11.pptx
@@ -6,10 +6,12 @@
   </p:sldMasterIdLst>
   <p:sldIdLst>
     <p:sldId id="256" r:id="rId2"/>
-    <p:sldId id="257" r:id="rId3"/>
-    <p:sldId id="258" r:id="rId4"/>
-    <p:sldId id="260" r:id="rId5"/>
-    <p:sldId id="259" r:id="rId6"/>
+    <p:sldId id="261" r:id="rId3"/>
+    <p:sldId id="262" r:id="rId4"/>
+    <p:sldId id="257" r:id="rId5"/>
+    <p:sldId id="258" r:id="rId6"/>
+    <p:sldId id="260" r:id="rId7"/>
+    <p:sldId id="259" r:id="rId8"/>
   </p:sldIdLst>
   <p:sldSz cx="9144000" cy="6858000" type="screen4x3"/>
   <p:notesSz cx="6858000" cy="9144000"/>
@@ -292,7 +294,7 @@
           <a:p>
             <a:fld id="{B21355F3-C00A-4C9D-938E-27D0AE142BC0}" type="datetimeFigureOut">
               <a:rPr lang="pl-PL" smtClean="0"/>
-              <a:t>04.07.2019</a:t>
+              <a:t>18.09.2019</a:t>
             </a:fld>
             <a:endParaRPr lang="pl-PL"/>
           </a:p>
@@ -462,7 +464,7 @@
           <a:p>
             <a:fld id="{B21355F3-C00A-4C9D-938E-27D0AE142BC0}" type="datetimeFigureOut">
               <a:rPr lang="pl-PL" smtClean="0"/>
-              <a:t>04.07.2019</a:t>
+              <a:t>18.09.2019</a:t>
             </a:fld>
             <a:endParaRPr lang="pl-PL"/>
           </a:p>
@@ -642,7 +644,7 @@
           <a:p>
             <a:fld id="{B21355F3-C00A-4C9D-938E-27D0AE142BC0}" type="datetimeFigureOut">
               <a:rPr lang="pl-PL" smtClean="0"/>
-              <a:t>04.07.2019</a:t>
+              <a:t>18.09.2019</a:t>
             </a:fld>
             <a:endParaRPr lang="pl-PL"/>
           </a:p>
@@ -812,7 +814,7 @@
           <a:p>
             <a:fld id="{B21355F3-C00A-4C9D-938E-27D0AE142BC0}" type="datetimeFigureOut">
               <a:rPr lang="pl-PL" smtClean="0"/>
-              <a:t>04.07.2019</a:t>
+              <a:t>18.09.2019</a:t>
             </a:fld>
             <a:endParaRPr lang="pl-PL"/>
           </a:p>
@@ -1058,7 +1060,7 @@
           <a:p>
             <a:fld id="{B21355F3-C00A-4C9D-938E-27D0AE142BC0}" type="datetimeFigureOut">
               <a:rPr lang="pl-PL" smtClean="0"/>
-              <a:t>04.07.2019</a:t>
+              <a:t>18.09.2019</a:t>
             </a:fld>
             <a:endParaRPr lang="pl-PL"/>
           </a:p>
@@ -1346,7 +1348,7 @@
           <a:p>
             <a:fld id="{B21355F3-C00A-4C9D-938E-27D0AE142BC0}" type="datetimeFigureOut">
               <a:rPr lang="pl-PL" smtClean="0"/>
-              <a:t>04.07.2019</a:t>
+              <a:t>18.09.2019</a:t>
             </a:fld>
             <a:endParaRPr lang="pl-PL"/>
           </a:p>
@@ -1768,7 +1770,7 @@
           <a:p>
             <a:fld id="{B21355F3-C00A-4C9D-938E-27D0AE142BC0}" type="datetimeFigureOut">
               <a:rPr lang="pl-PL" smtClean="0"/>
-              <a:t>04.07.2019</a:t>
+              <a:t>18.09.2019</a:t>
             </a:fld>
             <a:endParaRPr lang="pl-PL"/>
           </a:p>
@@ -1886,7 +1888,7 @@
           <a:p>
             <a:fld id="{B21355F3-C00A-4C9D-938E-27D0AE142BC0}" type="datetimeFigureOut">
               <a:rPr lang="pl-PL" smtClean="0"/>
-              <a:t>04.07.2019</a:t>
+              <a:t>18.09.2019</a:t>
             </a:fld>
             <a:endParaRPr lang="pl-PL"/>
           </a:p>
@@ -1981,7 +1983,7 @@
           <a:p>
             <a:fld id="{B21355F3-C00A-4C9D-938E-27D0AE142BC0}" type="datetimeFigureOut">
               <a:rPr lang="pl-PL" smtClean="0"/>
-              <a:t>04.07.2019</a:t>
+              <a:t>18.09.2019</a:t>
             </a:fld>
             <a:endParaRPr lang="pl-PL"/>
           </a:p>
@@ -2258,7 +2260,7 @@
           <a:p>
             <a:fld id="{B21355F3-C00A-4C9D-938E-27D0AE142BC0}" type="datetimeFigureOut">
               <a:rPr lang="pl-PL" smtClean="0"/>
-              <a:t>04.07.2019</a:t>
+              <a:t>18.09.2019</a:t>
             </a:fld>
             <a:endParaRPr lang="pl-PL"/>
           </a:p>
@@ -2511,7 +2513,7 @@
           <a:p>
             <a:fld id="{B21355F3-C00A-4C9D-938E-27D0AE142BC0}" type="datetimeFigureOut">
               <a:rPr lang="pl-PL" smtClean="0"/>
-              <a:t>04.07.2019</a:t>
+              <a:t>18.09.2019</a:t>
             </a:fld>
             <a:endParaRPr lang="pl-PL"/>
           </a:p>
@@ -2724,7 +2726,7 @@
           <a:p>
             <a:fld id="{B21355F3-C00A-4C9D-938E-27D0AE142BC0}" type="datetimeFigureOut">
               <a:rPr lang="pl-PL" smtClean="0"/>
-              <a:t>04.07.2019</a:t>
+              <a:t>18.09.2019</a:t>
             </a:fld>
             <a:endParaRPr lang="pl-PL"/>
           </a:p>
@@ -3122,7 +3124,7 @@
         </p:blipFill>
         <p:spPr bwMode="auto">
           <a:xfrm>
-            <a:off x="2990850" y="2357438"/>
+            <a:off x="3059832" y="2357438"/>
             <a:ext cx="3162300" cy="2143125"/>
           </a:xfrm>
           <a:prstGeom prst="rect">
@@ -3171,7 +3173,7 @@
         </p:nvSpPr>
         <p:spPr>
           <a:xfrm>
-            <a:off x="4139952" y="2939752"/>
+            <a:off x="4256048" y="2922538"/>
             <a:ext cx="631904" cy="400110"/>
           </a:xfrm>
           <a:prstGeom prst="rect">
@@ -3187,7 +3189,11 @@
           <a:p>
             <a:r>
               <a:rPr lang="pl-PL" sz="2000" b="1" dirty="0" smtClean="0"/>
-              <a:t>30%</a:t>
+              <a:t>25</a:t>
+            </a:r>
+            <a:r>
+              <a:rPr lang="pl-PL" sz="2000" b="1" dirty="0" smtClean="0"/>
+              <a:t>%</a:t>
             </a:r>
             <a:endParaRPr lang="pl-PL" sz="1600" b="1" dirty="0"/>
           </a:p>
@@ -3201,7 +3207,7 @@
         </p:nvSpPr>
         <p:spPr>
           <a:xfrm>
-            <a:off x="4139952" y="3623212"/>
+            <a:off x="4256048" y="3623212"/>
             <a:ext cx="631904" cy="400110"/>
           </a:xfrm>
           <a:prstGeom prst="rect">
@@ -3217,7 +3223,7 @@
           <a:p>
             <a:r>
               <a:rPr lang="pl-PL" sz="2000" b="1" dirty="0" smtClean="0"/>
-              <a:t>70%</a:t>
+              <a:t>75%</a:t>
             </a:r>
             <a:endParaRPr lang="pl-PL" sz="1600" b="1" dirty="0"/>
           </a:p>
@@ -3237,6 +3243,478 @@
 </file>
 
 <file path=ppt/slides/slide2.xml><?xml version="1.0" encoding="utf-8"?>
+<p:sld xmlns:a="http://schemas.openxmlformats.org/drawingml/2006/main" xmlns:r="http://schemas.openxmlformats.org/officeDocument/2006/relationships" xmlns:p="http://schemas.openxmlformats.org/presentationml/2006/main">
+  <p:cSld>
+    <p:spTree>
+      <p:nvGrpSpPr>
+        <p:cNvPr id="1" name=""/>
+        <p:cNvGrpSpPr/>
+        <p:nvPr/>
+      </p:nvGrpSpPr>
+      <p:grpSpPr>
+        <a:xfrm>
+          <a:off x="0" y="0"/>
+          <a:ext cx="0" cy="0"/>
+          <a:chOff x="0" y="0"/>
+          <a:chExt cx="0" cy="0"/>
+        </a:xfrm>
+      </p:grpSpPr>
+      <p:pic>
+        <p:nvPicPr>
+          <p:cNvPr id="1026" name="Picture 2"/>
+          <p:cNvPicPr>
+            <a:picLocks noChangeAspect="1" noChangeArrowheads="1"/>
+          </p:cNvPicPr>
+          <p:nvPr/>
+        </p:nvPicPr>
+        <p:blipFill>
+          <a:blip r:embed="rId2">
+            <a:extLst>
+              <a:ext uri="{28A0092B-C50C-407E-A947-70E740481C1C}">
+                <a14:useLocalDpi xmlns:a14="http://schemas.microsoft.com/office/drawing/2010/main" val="0"/>
+              </a:ext>
+            </a:extLst>
+          </a:blip>
+          <a:srcRect/>
+          <a:stretch>
+            <a:fillRect/>
+          </a:stretch>
+        </p:blipFill>
+        <p:spPr bwMode="auto">
+          <a:xfrm>
+            <a:off x="611560" y="264404"/>
+            <a:ext cx="4648200" cy="3133725"/>
+          </a:xfrm>
+          <a:prstGeom prst="rect">
+            <a:avLst/>
+          </a:prstGeom>
+          <a:noFill/>
+          <a:ln>
+            <a:noFill/>
+          </a:ln>
+          <a:effectLst/>
+          <a:extLst>
+            <a:ext uri="{909E8E84-426E-40DD-AFC4-6F175D3DCCD1}">
+              <a14:hiddenFill xmlns:a14="http://schemas.microsoft.com/office/drawing/2010/main">
+                <a:solidFill>
+                  <a:schemeClr val="accent1"/>
+                </a:solidFill>
+              </a14:hiddenFill>
+            </a:ext>
+            <a:ext uri="{91240B29-F687-4F45-9708-019B960494DF}">
+              <a14:hiddenLine xmlns:a14="http://schemas.microsoft.com/office/drawing/2010/main" w="9525">
+                <a:solidFill>
+                  <a:schemeClr val="tx1"/>
+                </a:solidFill>
+                <a:miter lim="800000"/>
+                <a:headEnd/>
+                <a:tailEnd/>
+              </a14:hiddenLine>
+            </a:ext>
+            <a:ext uri="{AF507438-7753-43E0-B8FC-AC1667EBCBE1}">
+              <a14:hiddenEffects xmlns:a14="http://schemas.microsoft.com/office/drawing/2010/main">
+                <a:effectLst>
+                  <a:outerShdw dist="35921" dir="2700000" algn="ctr" rotWithShape="0">
+                    <a:schemeClr val="bg2"/>
+                  </a:outerShdw>
+                </a:effectLst>
+              </a14:hiddenEffects>
+            </a:ext>
+          </a:extLst>
+        </p:spPr>
+      </p:pic>
+    </p:spTree>
+    <p:extLst>
+      <p:ext uri="{BB962C8B-B14F-4D97-AF65-F5344CB8AC3E}">
+        <p14:creationId xmlns:p14="http://schemas.microsoft.com/office/powerpoint/2010/main" val="2805931075"/>
+      </p:ext>
+    </p:extLst>
+  </p:cSld>
+  <p:clrMapOvr>
+    <a:masterClrMapping/>
+  </p:clrMapOvr>
+</p:sld>
+</file>
+
+<file path=ppt/slides/slide3.xml><?xml version="1.0" encoding="utf-8"?>
+<p:sld xmlns:a="http://schemas.openxmlformats.org/drawingml/2006/main" xmlns:r="http://schemas.openxmlformats.org/officeDocument/2006/relationships" xmlns:p="http://schemas.openxmlformats.org/presentationml/2006/main">
+  <p:cSld>
+    <p:spTree>
+      <p:nvGrpSpPr>
+        <p:cNvPr id="1" name=""/>
+        <p:cNvGrpSpPr/>
+        <p:nvPr/>
+      </p:nvGrpSpPr>
+      <p:grpSpPr>
+        <a:xfrm>
+          <a:off x="0" y="0"/>
+          <a:ext cx="0" cy="0"/>
+          <a:chOff x="0" y="0"/>
+          <a:chExt cx="0" cy="0"/>
+        </a:xfrm>
+      </p:grpSpPr>
+      <p:pic>
+        <p:nvPicPr>
+          <p:cNvPr id="4" name="Picture 2"/>
+          <p:cNvPicPr>
+            <a:picLocks noChangeAspect="1" noChangeArrowheads="1"/>
+          </p:cNvPicPr>
+          <p:nvPr/>
+        </p:nvPicPr>
+        <p:blipFill>
+          <a:blip r:embed="rId2">
+            <a:extLst>
+              <a:ext uri="{28A0092B-C50C-407E-A947-70E740481C1C}">
+                <a14:useLocalDpi xmlns:a14="http://schemas.microsoft.com/office/drawing/2010/main" val="0"/>
+              </a:ext>
+            </a:extLst>
+          </a:blip>
+          <a:srcRect/>
+          <a:stretch>
+            <a:fillRect/>
+          </a:stretch>
+        </p:blipFill>
+        <p:spPr bwMode="auto">
+          <a:xfrm>
+            <a:off x="1259632" y="1093146"/>
+            <a:ext cx="4648200" cy="3133725"/>
+          </a:xfrm>
+          <a:prstGeom prst="rect">
+            <a:avLst/>
+          </a:prstGeom>
+          <a:noFill/>
+          <a:ln>
+            <a:noFill/>
+          </a:ln>
+          <a:effectLst/>
+          <a:extLst>
+            <a:ext uri="{909E8E84-426E-40DD-AFC4-6F175D3DCCD1}">
+              <a14:hiddenFill xmlns:a14="http://schemas.microsoft.com/office/drawing/2010/main">
+                <a:solidFill>
+                  <a:schemeClr val="accent1"/>
+                </a:solidFill>
+              </a14:hiddenFill>
+            </a:ext>
+            <a:ext uri="{91240B29-F687-4F45-9708-019B960494DF}">
+              <a14:hiddenLine xmlns:a14="http://schemas.microsoft.com/office/drawing/2010/main" w="9525">
+                <a:solidFill>
+                  <a:schemeClr val="tx1"/>
+                </a:solidFill>
+                <a:miter lim="800000"/>
+                <a:headEnd/>
+                <a:tailEnd/>
+              </a14:hiddenLine>
+            </a:ext>
+            <a:ext uri="{AF507438-7753-43E0-B8FC-AC1667EBCBE1}">
+              <a14:hiddenEffects xmlns:a14="http://schemas.microsoft.com/office/drawing/2010/main">
+                <a:effectLst>
+                  <a:outerShdw dist="35921" dir="2700000" algn="ctr" rotWithShape="0">
+                    <a:schemeClr val="bg2"/>
+                  </a:outerShdw>
+                </a:effectLst>
+              </a14:hiddenEffects>
+            </a:ext>
+          </a:extLst>
+        </p:spPr>
+      </p:pic>
+      <p:sp>
+        <p:nvSpPr>
+          <p:cNvPr id="6" name="pole tekstowe 5"/>
+          <p:cNvSpPr txBox="1"/>
+          <p:nvPr/>
+        </p:nvSpPr>
+        <p:spPr>
+          <a:xfrm>
+            <a:off x="3223697" y="1959223"/>
+            <a:ext cx="720069" cy="461665"/>
+          </a:xfrm>
+          <a:prstGeom prst="rect">
+            <a:avLst/>
+          </a:prstGeom>
+          <a:noFill/>
+        </p:spPr>
+        <p:txBody>
+          <a:bodyPr wrap="none" rtlCol="0">
+            <a:spAutoFit/>
+          </a:bodyPr>
+          <a:lstStyle/>
+          <a:p>
+            <a:r>
+              <a:rPr lang="pl-PL" sz="2400" b="1" dirty="0" smtClean="0"/>
+              <a:t>25</a:t>
+            </a:r>
+            <a:r>
+              <a:rPr lang="pl-PL" sz="2400" b="1" dirty="0" smtClean="0"/>
+              <a:t>%</a:t>
+            </a:r>
+            <a:endParaRPr lang="pl-PL" b="1" dirty="0"/>
+          </a:p>
+        </p:txBody>
+      </p:sp>
+      <p:sp>
+        <p:nvSpPr>
+          <p:cNvPr id="7" name="pole tekstowe 6"/>
+          <p:cNvSpPr txBox="1"/>
+          <p:nvPr/>
+        </p:nvSpPr>
+        <p:spPr>
+          <a:xfrm>
+            <a:off x="3223696" y="3114942"/>
+            <a:ext cx="720069" cy="461665"/>
+          </a:xfrm>
+          <a:prstGeom prst="rect">
+            <a:avLst/>
+          </a:prstGeom>
+          <a:noFill/>
+        </p:spPr>
+        <p:txBody>
+          <a:bodyPr wrap="none" rtlCol="0">
+            <a:spAutoFit/>
+          </a:bodyPr>
+          <a:lstStyle/>
+          <a:p>
+            <a:r>
+              <a:rPr lang="pl-PL" sz="2400" b="1" dirty="0" smtClean="0"/>
+              <a:t>75</a:t>
+            </a:r>
+            <a:r>
+              <a:rPr lang="pl-PL" sz="2400" b="1" dirty="0" smtClean="0"/>
+              <a:t>%</a:t>
+            </a:r>
+            <a:endParaRPr lang="pl-PL" b="1" dirty="0"/>
+          </a:p>
+        </p:txBody>
+      </p:sp>
+      <p:sp>
+        <p:nvSpPr>
+          <p:cNvPr id="8" name="pole tekstowe 7"/>
+          <p:cNvSpPr txBox="1"/>
+          <p:nvPr/>
+        </p:nvSpPr>
+        <p:spPr>
+          <a:xfrm>
+            <a:off x="1832651" y="2272279"/>
+            <a:ext cx="356188" cy="461665"/>
+          </a:xfrm>
+          <a:prstGeom prst="rect">
+            <a:avLst/>
+          </a:prstGeom>
+          <a:noFill/>
+        </p:spPr>
+        <p:txBody>
+          <a:bodyPr wrap="none" rtlCol="0">
+            <a:spAutoFit/>
+          </a:bodyPr>
+          <a:lstStyle/>
+          <a:p>
+            <a:r>
+              <a:rPr lang="pl-PL" sz="2400" i="1" dirty="0" smtClean="0">
+                <a:latin typeface="Arial" pitchFamily="34" charset="0"/>
+                <a:cs typeface="Arial" pitchFamily="34" charset="0"/>
+              </a:rPr>
+              <a:t>0</a:t>
+            </a:r>
+            <a:endParaRPr lang="pl-PL" i="1" dirty="0">
+              <a:latin typeface="Arial" pitchFamily="34" charset="0"/>
+              <a:cs typeface="Arial" pitchFamily="34" charset="0"/>
+            </a:endParaRPr>
+          </a:p>
+        </p:txBody>
+      </p:sp>
+      <p:sp>
+        <p:nvSpPr>
+          <p:cNvPr id="9" name="pole tekstowe 8"/>
+          <p:cNvSpPr txBox="1"/>
+          <p:nvPr/>
+        </p:nvSpPr>
+        <p:spPr>
+          <a:xfrm>
+            <a:off x="2627784" y="2272279"/>
+            <a:ext cx="356188" cy="461665"/>
+          </a:xfrm>
+          <a:prstGeom prst="rect">
+            <a:avLst/>
+          </a:prstGeom>
+          <a:noFill/>
+        </p:spPr>
+        <p:txBody>
+          <a:bodyPr wrap="none" rtlCol="0">
+            <a:spAutoFit/>
+          </a:bodyPr>
+          <a:lstStyle/>
+          <a:p>
+            <a:r>
+              <a:rPr lang="pl-PL" sz="2400" i="1" dirty="0" smtClean="0">
+                <a:latin typeface="Arial" pitchFamily="34" charset="0"/>
+                <a:cs typeface="Arial" pitchFamily="34" charset="0"/>
+              </a:rPr>
+              <a:t>1</a:t>
+            </a:r>
+            <a:endParaRPr lang="pl-PL" sz="1600" i="1" dirty="0">
+              <a:latin typeface="Arial" pitchFamily="34" charset="0"/>
+              <a:cs typeface="Arial" pitchFamily="34" charset="0"/>
+            </a:endParaRPr>
+          </a:p>
+        </p:txBody>
+      </p:sp>
+      <p:sp>
+        <p:nvSpPr>
+          <p:cNvPr id="10" name="pole tekstowe 9"/>
+          <p:cNvSpPr txBox="1"/>
+          <p:nvPr/>
+        </p:nvSpPr>
+        <p:spPr>
+          <a:xfrm>
+            <a:off x="4211960" y="1628800"/>
+            <a:ext cx="356188" cy="461665"/>
+          </a:xfrm>
+          <a:prstGeom prst="rect">
+            <a:avLst/>
+          </a:prstGeom>
+          <a:noFill/>
+        </p:spPr>
+        <p:txBody>
+          <a:bodyPr wrap="none" rtlCol="0">
+            <a:spAutoFit/>
+          </a:bodyPr>
+          <a:lstStyle/>
+          <a:p>
+            <a:r>
+              <a:rPr lang="pl-PL" sz="2400" i="1" dirty="0" smtClean="0">
+                <a:latin typeface="Arial" pitchFamily="34" charset="0"/>
+                <a:cs typeface="Arial" pitchFamily="34" charset="0"/>
+              </a:rPr>
+              <a:t>2</a:t>
+            </a:r>
+            <a:endParaRPr lang="pl-PL" sz="1600" i="1" dirty="0">
+              <a:latin typeface="Arial" pitchFamily="34" charset="0"/>
+              <a:cs typeface="Arial" pitchFamily="34" charset="0"/>
+            </a:endParaRPr>
+          </a:p>
+        </p:txBody>
+      </p:sp>
+      <p:sp>
+        <p:nvSpPr>
+          <p:cNvPr id="11" name="pole tekstowe 10"/>
+          <p:cNvSpPr txBox="1"/>
+          <p:nvPr/>
+        </p:nvSpPr>
+        <p:spPr>
+          <a:xfrm>
+            <a:off x="4932040" y="1233442"/>
+            <a:ext cx="356188" cy="461665"/>
+          </a:xfrm>
+          <a:prstGeom prst="rect">
+            <a:avLst/>
+          </a:prstGeom>
+          <a:noFill/>
+        </p:spPr>
+        <p:txBody>
+          <a:bodyPr wrap="none" rtlCol="0">
+            <a:spAutoFit/>
+          </a:bodyPr>
+          <a:lstStyle/>
+          <a:p>
+            <a:r>
+              <a:rPr lang="pl-PL" sz="2400" i="1" dirty="0" smtClean="0">
+                <a:latin typeface="Arial" pitchFamily="34" charset="0"/>
+                <a:cs typeface="Arial" pitchFamily="34" charset="0"/>
+              </a:rPr>
+              <a:t>3</a:t>
+            </a:r>
+            <a:endParaRPr lang="pl-PL" i="1" dirty="0">
+              <a:latin typeface="Arial" pitchFamily="34" charset="0"/>
+              <a:cs typeface="Arial" pitchFamily="34" charset="0"/>
+            </a:endParaRPr>
+          </a:p>
+        </p:txBody>
+      </p:sp>
+      <p:sp>
+        <p:nvSpPr>
+          <p:cNvPr id="12" name="pole tekstowe 11"/>
+          <p:cNvSpPr txBox="1"/>
+          <p:nvPr/>
+        </p:nvSpPr>
+        <p:spPr>
+          <a:xfrm>
+            <a:off x="4211960" y="2924944"/>
+            <a:ext cx="356188" cy="461665"/>
+          </a:xfrm>
+          <a:prstGeom prst="rect">
+            <a:avLst/>
+          </a:prstGeom>
+          <a:noFill/>
+        </p:spPr>
+        <p:txBody>
+          <a:bodyPr wrap="none" rtlCol="0">
+            <a:spAutoFit/>
+          </a:bodyPr>
+          <a:lstStyle/>
+          <a:p>
+            <a:r>
+              <a:rPr lang="pl-PL" sz="2400" i="1" dirty="0" smtClean="0">
+                <a:latin typeface="Arial" pitchFamily="34" charset="0"/>
+                <a:cs typeface="Arial" pitchFamily="34" charset="0"/>
+              </a:rPr>
+              <a:t>4</a:t>
+            </a:r>
+            <a:endParaRPr lang="pl-PL" i="1" dirty="0">
+              <a:latin typeface="Arial" pitchFamily="34" charset="0"/>
+              <a:cs typeface="Arial" pitchFamily="34" charset="0"/>
+            </a:endParaRPr>
+          </a:p>
+        </p:txBody>
+      </p:sp>
+      <p:sp>
+        <p:nvSpPr>
+          <p:cNvPr id="13" name="pole tekstowe 12"/>
+          <p:cNvSpPr txBox="1"/>
+          <p:nvPr/>
+        </p:nvSpPr>
+        <p:spPr>
+          <a:xfrm>
+            <a:off x="4932040" y="3114942"/>
+            <a:ext cx="356188" cy="461665"/>
+          </a:xfrm>
+          <a:prstGeom prst="rect">
+            <a:avLst/>
+          </a:prstGeom>
+          <a:noFill/>
+        </p:spPr>
+        <p:txBody>
+          <a:bodyPr wrap="none" rtlCol="0">
+            <a:spAutoFit/>
+          </a:bodyPr>
+          <a:lstStyle/>
+          <a:p>
+            <a:r>
+              <a:rPr lang="pl-PL" sz="2400" i="1" dirty="0" smtClean="0">
+                <a:latin typeface="Arial" pitchFamily="34" charset="0"/>
+                <a:cs typeface="Arial" pitchFamily="34" charset="0"/>
+              </a:rPr>
+              <a:t>5</a:t>
+            </a:r>
+            <a:endParaRPr lang="pl-PL" i="1" dirty="0">
+              <a:latin typeface="Arial" pitchFamily="34" charset="0"/>
+              <a:cs typeface="Arial" pitchFamily="34" charset="0"/>
+            </a:endParaRPr>
+          </a:p>
+        </p:txBody>
+      </p:sp>
+    </p:spTree>
+    <p:extLst>
+      <p:ext uri="{BB962C8B-B14F-4D97-AF65-F5344CB8AC3E}">
+        <p14:creationId xmlns:p14="http://schemas.microsoft.com/office/powerpoint/2010/main" val="394112067"/>
+      </p:ext>
+    </p:extLst>
+  </p:cSld>
+  <p:clrMapOvr>
+    <a:masterClrMapping/>
+  </p:clrMapOvr>
+</p:sld>
+</file>
+
+<file path=ppt/slides/slide4.xml><?xml version="1.0" encoding="utf-8"?>
 <p:sld xmlns:a="http://schemas.openxmlformats.org/drawingml/2006/main" xmlns:r="http://schemas.openxmlformats.org/officeDocument/2006/relationships" xmlns:p="http://schemas.openxmlformats.org/presentationml/2006/main">
   <p:cSld>
     <p:spTree>
@@ -3548,7 +4026,7 @@
 </p:sld>
 </file>
 
-<file path=ppt/slides/slide3.xml><?xml version="1.0" encoding="utf-8"?>
+<file path=ppt/slides/slide5.xml><?xml version="1.0" encoding="utf-8"?>
 <p:sld xmlns:a="http://schemas.openxmlformats.org/drawingml/2006/main" xmlns:r="http://schemas.openxmlformats.org/officeDocument/2006/relationships" xmlns:p="http://schemas.openxmlformats.org/presentationml/2006/main">
   <p:cSld>
     <p:spTree>
@@ -4407,7 +4885,7 @@
 </p:sld>
 </file>
 
-<file path=ppt/slides/slide4.xml><?xml version="1.0" encoding="utf-8"?>
+<file path=ppt/slides/slide6.xml><?xml version="1.0" encoding="utf-8"?>
 <p:sld xmlns:a="http://schemas.openxmlformats.org/drawingml/2006/main" xmlns:r="http://schemas.openxmlformats.org/officeDocument/2006/relationships" xmlns:p="http://schemas.openxmlformats.org/presentationml/2006/main">
   <p:cSld>
     <p:spTree>
@@ -4437,7 +4915,7 @@
 </p:sld>
 </file>
 
-<file path=ppt/slides/slide5.xml><?xml version="1.0" encoding="utf-8"?>
+<file path=ppt/slides/slide7.xml><?xml version="1.0" encoding="utf-8"?>
 <p:sld xmlns:a="http://schemas.openxmlformats.org/drawingml/2006/main" xmlns:r="http://schemas.openxmlformats.org/officeDocument/2006/relationships" xmlns:p="http://schemas.openxmlformats.org/presentationml/2006/main">
   <p:cSld>
     <p:spTree>
